--- a/Problem A02/Problem A02.pptx
+++ b/Problem A02/Problem A02.pptx
@@ -5,7 +5,7 @@
     <p:sldMasterId id="2147483648" r:id="rId1"/>
   </p:sldMasterIdLst>
   <p:notesMasterIdLst>
-    <p:notesMasterId r:id="rId7"/>
+    <p:notesMasterId r:id="rId8"/>
   </p:notesMasterIdLst>
   <p:sldIdLst>
     <p:sldId id="256" r:id="rId2"/>
@@ -13,6 +13,7 @@
     <p:sldId id="297" r:id="rId4"/>
     <p:sldId id="298" r:id="rId5"/>
     <p:sldId id="295" r:id="rId6"/>
+    <p:sldId id="306" r:id="rId7"/>
   </p:sldIdLst>
   <p:sldSz cx="9144000" cy="6858000" type="screen4x3"/>
   <p:notesSz cx="6858000" cy="9144000"/>
@@ -235,7 +236,7 @@
             <a:fld id="{EAF9F6F8-DC93-4263-BA57-AD9D4385C8E5}" type="datetimeFigureOut">
               <a:rPr lang="en-US" smtClean="0"/>
               <a:pPr/>
-              <a:t>10/14/24</a:t>
+              <a:t>10/22/24</a:t>
             </a:fld>
             <a:endParaRPr lang="en-US"/>
           </a:p>
@@ -1203,7 +1204,7 @@
             <a:fld id="{55BB3B8F-FDDF-4512-9E8B-7FE672AA7E35}" type="datetimeFigureOut">
               <a:rPr lang="en-US" smtClean="0"/>
               <a:pPr/>
-              <a:t>10/14/24</a:t>
+              <a:t>10/22/24</a:t>
             </a:fld>
             <a:endParaRPr lang="en-US" dirty="0"/>
           </a:p>
@@ -3330,6 +3331,173 @@
   <p:transition spd="slow">
     <p:push dir="u"/>
   </p:transition>
+</p:sld>
+</file>
+
+<file path=ppt/slides/slide6.xml><?xml version="1.0" encoding="utf-8"?>
+<p:sld xmlns:a="http://schemas.openxmlformats.org/drawingml/2006/main" xmlns:r="http://schemas.openxmlformats.org/officeDocument/2006/relationships" xmlns:p="http://schemas.openxmlformats.org/presentationml/2006/main">
+  <p:cSld>
+    <p:spTree>
+      <p:nvGrpSpPr>
+        <p:cNvPr id="1" name="">
+          <a:extLst>
+            <a:ext uri="{FF2B5EF4-FFF2-40B4-BE49-F238E27FC236}">
+              <a16:creationId xmlns:a16="http://schemas.microsoft.com/office/drawing/2014/main" id="{BC974E6F-AFB2-5751-3741-4636A51EA64A}"/>
+            </a:ext>
+          </a:extLst>
+        </p:cNvPr>
+        <p:cNvGrpSpPr/>
+        <p:nvPr/>
+      </p:nvGrpSpPr>
+      <p:grpSpPr>
+        <a:xfrm>
+          <a:off x="0" y="0"/>
+          <a:ext cx="0" cy="0"/>
+          <a:chOff x="0" y="0"/>
+          <a:chExt cx="0" cy="0"/>
+        </a:xfrm>
+      </p:grpSpPr>
+      <p:sp>
+        <p:nvSpPr>
+          <p:cNvPr id="3" name="Content Placeholder 2">
+            <a:extLst>
+              <a:ext uri="{FF2B5EF4-FFF2-40B4-BE49-F238E27FC236}">
+                <a16:creationId xmlns:a16="http://schemas.microsoft.com/office/drawing/2014/main" id="{C9DC36E5-7AB3-4527-5544-72374C7C7F62}"/>
+              </a:ext>
+            </a:extLst>
+          </p:cNvPr>
+          <p:cNvSpPr>
+            <a:spLocks noGrp="1"/>
+          </p:cNvSpPr>
+          <p:nvPr>
+            <p:ph idx="1"/>
+          </p:nvPr>
+        </p:nvSpPr>
+        <p:spPr>
+          <a:xfrm>
+            <a:off x="457200" y="1828800"/>
+            <a:ext cx="8229600" cy="5105400"/>
+          </a:xfrm>
+        </p:spPr>
+        <p:txBody>
+          <a:bodyPr>
+            <a:normAutofit/>
+          </a:bodyPr>
+          <a:lstStyle/>
+          <a:p>
+            <a:r>
+              <a:rPr lang="bg-BG" sz="3200" dirty="0"/>
+              <a:t>Относно решенията:</a:t>
+            </a:r>
+          </a:p>
+          <a:p>
+            <a:pPr marL="457200" indent="-457200">
+              <a:buFontTx/>
+              <a:buChar char="-"/>
+            </a:pPr>
+            <a:r>
+              <a:rPr lang="bg-BG" sz="3200" dirty="0"/>
+              <a:t>да са с версията на </a:t>
+            </a:r>
+            <a:r>
+              <a:rPr lang="en-US" sz="3200" dirty="0" err="1"/>
+              <a:t>Three.js</a:t>
+            </a:r>
+            <a:r>
+              <a:rPr lang="en-US" sz="3200" dirty="0"/>
+              <a:t> </a:t>
+            </a:r>
+            <a:r>
+              <a:rPr lang="bg-BG" sz="3200" dirty="0"/>
+              <a:t>от упражненията или по-нова версия</a:t>
+            </a:r>
+          </a:p>
+          <a:p>
+            <a:pPr marL="457200" indent="-457200">
+              <a:buFontTx/>
+              <a:buChar char="-"/>
+            </a:pPr>
+            <a:r>
+              <a:rPr lang="bg-BG" sz="3200" dirty="0"/>
+              <a:t>да включват библиотеките с </a:t>
+            </a:r>
+            <a:r>
+              <a:rPr lang="en-US" sz="3200" dirty="0"/>
+              <a:t>import </a:t>
+            </a:r>
+            <a:r>
+              <a:rPr lang="bg-BG" sz="3200" dirty="0"/>
+              <a:t>и </a:t>
+            </a:r>
+            <a:r>
+              <a:rPr lang="en-US" sz="3200" dirty="0" err="1"/>
+              <a:t>importmap</a:t>
+            </a:r>
+            <a:endParaRPr lang="bg-BG" sz="3200" dirty="0"/>
+          </a:p>
+          <a:p>
+            <a:pPr marL="457200" indent="-457200">
+              <a:buFontTx/>
+              <a:buChar char="-"/>
+            </a:pPr>
+            <a:r>
+              <a:rPr lang="bg-BG" sz="3200" dirty="0"/>
+              <a:t>да се пускат директно, без нужда от допълнителен софтуер/файл</a:t>
+            </a:r>
+          </a:p>
+          <a:p>
+            <a:pPr marL="457200" indent="-457200">
+              <a:buFontTx/>
+              <a:buChar char="-"/>
+            </a:pPr>
+            <a:r>
+              <a:rPr lang="bg-BG" sz="3200" dirty="0"/>
+              <a:t>да съдържат само поискания файл.</a:t>
+            </a:r>
+          </a:p>
+        </p:txBody>
+      </p:sp>
+      <p:sp>
+        <p:nvSpPr>
+          <p:cNvPr id="6" name="Title 5">
+            <a:extLst>
+              <a:ext uri="{FF2B5EF4-FFF2-40B4-BE49-F238E27FC236}">
+                <a16:creationId xmlns:a16="http://schemas.microsoft.com/office/drawing/2014/main" id="{8BC74CC6-3C71-4D2E-CB8D-15A58A20689B}"/>
+              </a:ext>
+            </a:extLst>
+          </p:cNvPr>
+          <p:cNvSpPr>
+            <a:spLocks noGrp="1"/>
+          </p:cNvSpPr>
+          <p:nvPr>
+            <p:ph type="title"/>
+          </p:nvPr>
+        </p:nvSpPr>
+        <p:spPr/>
+        <p:txBody>
+          <a:bodyPr>
+            <a:normAutofit/>
+          </a:bodyPr>
+          <a:lstStyle/>
+          <a:p>
+            <a:r>
+              <a:rPr lang="bg-BG" sz="5400" dirty="0"/>
+              <a:t>Допълнителни изисквания</a:t>
+            </a:r>
+            <a:endParaRPr lang="en-US" dirty="0"/>
+          </a:p>
+        </p:txBody>
+      </p:sp>
+    </p:spTree>
+    <p:extLst>
+      <p:ext uri="{BB962C8B-B14F-4D97-AF65-F5344CB8AC3E}">
+        <p14:creationId xmlns:p14="http://schemas.microsoft.com/office/powerpoint/2010/main" val="1018997036"/>
+      </p:ext>
+    </p:extLst>
+  </p:cSld>
+  <p:clrMapOvr>
+    <a:masterClrMapping/>
+  </p:clrMapOvr>
 </p:sld>
 </file>
 
